--- a/sql/lectures/6_joins.pptx
+++ b/sql/lectures/6_joins.pptx
@@ -121,7 +121,7 @@
   </p:defaultTextStyle>
   <p:extLst>
     <p:ext uri="{EFAFB233-063F-42B5-8137-9DF3F51BA10A}">
-      <p15:sldGuideLst xmlns:p15="http://schemas.microsoft.com/office/powerpoint/2012/main"/>
+      <p15:sldGuideLst xmlns:p15="http://schemas.microsoft.com/office/powerpoint/2012/main" xmlns=""/>
     </p:ext>
   </p:extLst>
 </p:presentation>
@@ -393,7 +393,7 @@
     </p:spTree>
     <p:extLst>
       <p:ext uri="{BB962C8B-B14F-4D97-AF65-F5344CB8AC3E}">
-        <p14:creationId xmlns:p14="http://schemas.microsoft.com/office/powerpoint/2010/main" val="201764440"/>
+        <p14:creationId xmlns:p14="http://schemas.microsoft.com/office/powerpoint/2010/main" xmlns="" val="201764440"/>
       </p:ext>
     </p:extLst>
   </p:cSld>
@@ -691,7 +691,7 @@
     </p:spTree>
     <p:extLst>
       <p:ext uri="{BB962C8B-B14F-4D97-AF65-F5344CB8AC3E}">
-        <p14:creationId xmlns:p14="http://schemas.microsoft.com/office/powerpoint/2010/main" val="3783072073"/>
+        <p14:creationId xmlns:p14="http://schemas.microsoft.com/office/powerpoint/2010/main" xmlns="" val="3783072073"/>
       </p:ext>
     </p:extLst>
   </p:cSld>
@@ -952,7 +952,7 @@
     </p:spTree>
     <p:extLst>
       <p:ext uri="{BB962C8B-B14F-4D97-AF65-F5344CB8AC3E}">
-        <p14:creationId xmlns:p14="http://schemas.microsoft.com/office/powerpoint/2010/main" val="1595295306"/>
+        <p14:creationId xmlns:p14="http://schemas.microsoft.com/office/powerpoint/2010/main" xmlns="" val="1595295306"/>
       </p:ext>
     </p:extLst>
   </p:cSld>
@@ -1514,7 +1514,7 @@
     </p:spTree>
     <p:extLst>
       <p:ext uri="{BB962C8B-B14F-4D97-AF65-F5344CB8AC3E}">
-        <p14:creationId xmlns:p14="http://schemas.microsoft.com/office/powerpoint/2010/main" val="3337821985"/>
+        <p14:creationId xmlns:p14="http://schemas.microsoft.com/office/powerpoint/2010/main" xmlns="" val="3337821985"/>
       </p:ext>
     </p:extLst>
   </p:cSld>
@@ -1775,7 +1775,7 @@
     </p:spTree>
     <p:extLst>
       <p:ext uri="{BB962C8B-B14F-4D97-AF65-F5344CB8AC3E}">
-        <p14:creationId xmlns:p14="http://schemas.microsoft.com/office/powerpoint/2010/main" val="886269531"/>
+        <p14:creationId xmlns:p14="http://schemas.microsoft.com/office/powerpoint/2010/main" xmlns="" val="886269531"/>
       </p:ext>
     </p:extLst>
   </p:cSld>
@@ -2353,7 +2353,7 @@
     </p:spTree>
     <p:extLst>
       <p:ext uri="{BB962C8B-B14F-4D97-AF65-F5344CB8AC3E}">
-        <p14:creationId xmlns:p14="http://schemas.microsoft.com/office/powerpoint/2010/main" val="2590523876"/>
+        <p14:creationId xmlns:p14="http://schemas.microsoft.com/office/powerpoint/2010/main" xmlns="" val="2590523876"/>
       </p:ext>
     </p:extLst>
   </p:cSld>
@@ -2687,7 +2687,7 @@
     </p:spTree>
     <p:extLst>
       <p:ext uri="{BB962C8B-B14F-4D97-AF65-F5344CB8AC3E}">
-        <p14:creationId xmlns:p14="http://schemas.microsoft.com/office/powerpoint/2010/main" val="2759155521"/>
+        <p14:creationId xmlns:p14="http://schemas.microsoft.com/office/powerpoint/2010/main" xmlns="" val="2759155521"/>
       </p:ext>
     </p:extLst>
   </p:cSld>
@@ -2864,7 +2864,7 @@
     </p:spTree>
     <p:extLst>
       <p:ext uri="{BB962C8B-B14F-4D97-AF65-F5344CB8AC3E}">
-        <p14:creationId xmlns:p14="http://schemas.microsoft.com/office/powerpoint/2010/main" val="1435342287"/>
+        <p14:creationId xmlns:p14="http://schemas.microsoft.com/office/powerpoint/2010/main" xmlns="" val="1435342287"/>
       </p:ext>
     </p:extLst>
   </p:cSld>
@@ -3046,7 +3046,7 @@
     </p:spTree>
     <p:extLst>
       <p:ext uri="{BB962C8B-B14F-4D97-AF65-F5344CB8AC3E}">
-        <p14:creationId xmlns:p14="http://schemas.microsoft.com/office/powerpoint/2010/main" val="681154642"/>
+        <p14:creationId xmlns:p14="http://schemas.microsoft.com/office/powerpoint/2010/main" xmlns="" val="681154642"/>
       </p:ext>
     </p:extLst>
   </p:cSld>
@@ -3218,7 +3218,7 @@
     </p:spTree>
     <p:extLst>
       <p:ext uri="{BB962C8B-B14F-4D97-AF65-F5344CB8AC3E}">
-        <p14:creationId xmlns:p14="http://schemas.microsoft.com/office/powerpoint/2010/main" val="4245128215"/>
+        <p14:creationId xmlns:p14="http://schemas.microsoft.com/office/powerpoint/2010/main" xmlns="" val="4245128215"/>
       </p:ext>
     </p:extLst>
   </p:cSld>
@@ -3479,7 +3479,7 @@
     </p:spTree>
     <p:extLst>
       <p:ext uri="{BB962C8B-B14F-4D97-AF65-F5344CB8AC3E}">
-        <p14:creationId xmlns:p14="http://schemas.microsoft.com/office/powerpoint/2010/main" val="2266164164"/>
+        <p14:creationId xmlns:p14="http://schemas.microsoft.com/office/powerpoint/2010/main" xmlns="" val="2266164164"/>
       </p:ext>
     </p:extLst>
   </p:cSld>
@@ -3773,7 +3773,7 @@
     </p:spTree>
     <p:extLst>
       <p:ext uri="{BB962C8B-B14F-4D97-AF65-F5344CB8AC3E}">
-        <p14:creationId xmlns:p14="http://schemas.microsoft.com/office/powerpoint/2010/main" val="148630802"/>
+        <p14:creationId xmlns:p14="http://schemas.microsoft.com/office/powerpoint/2010/main" xmlns="" val="148630802"/>
       </p:ext>
     </p:extLst>
   </p:cSld>
@@ -4205,7 +4205,7 @@
     </p:spTree>
     <p:extLst>
       <p:ext uri="{BB962C8B-B14F-4D97-AF65-F5344CB8AC3E}">
-        <p14:creationId xmlns:p14="http://schemas.microsoft.com/office/powerpoint/2010/main" val="563240317"/>
+        <p14:creationId xmlns:p14="http://schemas.microsoft.com/office/powerpoint/2010/main" xmlns="" val="563240317"/>
       </p:ext>
     </p:extLst>
   </p:cSld>
@@ -4331,7 +4331,7 @@
     </p:spTree>
     <p:extLst>
       <p:ext uri="{BB962C8B-B14F-4D97-AF65-F5344CB8AC3E}">
-        <p14:creationId xmlns:p14="http://schemas.microsoft.com/office/powerpoint/2010/main" val="3238447542"/>
+        <p14:creationId xmlns:p14="http://schemas.microsoft.com/office/powerpoint/2010/main" xmlns="" val="3238447542"/>
       </p:ext>
     </p:extLst>
   </p:cSld>
@@ -4428,7 +4428,7 @@
     </p:spTree>
     <p:extLst>
       <p:ext uri="{BB962C8B-B14F-4D97-AF65-F5344CB8AC3E}">
-        <p14:creationId xmlns:p14="http://schemas.microsoft.com/office/powerpoint/2010/main" val="2027820632"/>
+        <p14:creationId xmlns:p14="http://schemas.microsoft.com/office/powerpoint/2010/main" xmlns="" val="2027820632"/>
       </p:ext>
     </p:extLst>
   </p:cSld>
@@ -4713,7 +4713,7 @@
     </p:spTree>
     <p:extLst>
       <p:ext uri="{BB962C8B-B14F-4D97-AF65-F5344CB8AC3E}">
-        <p14:creationId xmlns:p14="http://schemas.microsoft.com/office/powerpoint/2010/main" val="712994137"/>
+        <p14:creationId xmlns:p14="http://schemas.microsoft.com/office/powerpoint/2010/main" xmlns="" val="712994137"/>
       </p:ext>
     </p:extLst>
   </p:cSld>
@@ -5016,7 +5016,7 @@
     </p:spTree>
     <p:extLst>
       <p:ext uri="{BB962C8B-B14F-4D97-AF65-F5344CB8AC3E}">
-        <p14:creationId xmlns:p14="http://schemas.microsoft.com/office/powerpoint/2010/main" val="2328979833"/>
+        <p14:creationId xmlns:p14="http://schemas.microsoft.com/office/powerpoint/2010/main" xmlns="" val="2328979833"/>
       </p:ext>
     </p:extLst>
   </p:cSld>
@@ -5291,7 +5291,7 @@
     </p:spTree>
     <p:extLst>
       <p:ext uri="{BB962C8B-B14F-4D97-AF65-F5344CB8AC3E}">
-        <p14:creationId xmlns:p14="http://schemas.microsoft.com/office/powerpoint/2010/main" val="1737108718"/>
+        <p14:creationId xmlns:p14="http://schemas.microsoft.com/office/powerpoint/2010/main" xmlns="" val="1737108718"/>
       </p:ext>
     </p:extLst>
   </p:cSld>
@@ -6022,13 +6022,20 @@
     </p:spTree>
     <p:extLst>
       <p:ext uri="{BB962C8B-B14F-4D97-AF65-F5344CB8AC3E}">
-        <p14:creationId xmlns:p14="http://schemas.microsoft.com/office/powerpoint/2010/main" val="3831373085"/>
+        <p14:creationId xmlns:p14="http://schemas.microsoft.com/office/powerpoint/2010/main" xmlns="" val="3831373085"/>
       </p:ext>
     </p:extLst>
   </p:cSld>
   <p:clrMapOvr>
     <a:masterClrMapping/>
   </p:clrMapOvr>
+  <p:timing>
+    <p:tnLst>
+      <p:par>
+        <p:cTn id="1" dur="indefinite" restart="never" nodeType="tmRoot"/>
+      </p:par>
+    </p:tnLst>
+  </p:timing>
 </p:sld>
 </file>
 
@@ -6214,13 +6221,20 @@
     </p:spTree>
     <p:extLst>
       <p:ext uri="{BB962C8B-B14F-4D97-AF65-F5344CB8AC3E}">
-        <p14:creationId xmlns:p14="http://schemas.microsoft.com/office/powerpoint/2010/main" val="1076353763"/>
+        <p14:creationId xmlns:p14="http://schemas.microsoft.com/office/powerpoint/2010/main" xmlns="" val="1076353763"/>
       </p:ext>
     </p:extLst>
   </p:cSld>
   <p:clrMapOvr>
     <a:masterClrMapping/>
   </p:clrMapOvr>
+  <p:timing>
+    <p:tnLst>
+      <p:par>
+        <p:cTn id="1" dur="indefinite" restart="never" nodeType="tmRoot"/>
+      </p:par>
+    </p:tnLst>
+  </p:timing>
 </p:sld>
 </file>
 
@@ -6355,7 +6369,7 @@
     </p:spTree>
     <p:extLst>
       <p:ext uri="{BB962C8B-B14F-4D97-AF65-F5344CB8AC3E}">
-        <p14:creationId xmlns:p14="http://schemas.microsoft.com/office/powerpoint/2010/main" val="10438155"/>
+        <p14:creationId xmlns:p14="http://schemas.microsoft.com/office/powerpoint/2010/main" xmlns="" val="10438155"/>
       </p:ext>
     </p:extLst>
   </p:cSld>
@@ -6449,13 +6463,20 @@
     </p:spTree>
     <p:extLst>
       <p:ext uri="{BB962C8B-B14F-4D97-AF65-F5344CB8AC3E}">
-        <p14:creationId xmlns:p14="http://schemas.microsoft.com/office/powerpoint/2010/main" val="623017436"/>
+        <p14:creationId xmlns:p14="http://schemas.microsoft.com/office/powerpoint/2010/main" xmlns="" val="623017436"/>
       </p:ext>
     </p:extLst>
   </p:cSld>
   <p:clrMapOvr>
     <a:masterClrMapping/>
   </p:clrMapOvr>
+  <p:timing>
+    <p:tnLst>
+      <p:par>
+        <p:cTn id="1" dur="indefinite" restart="never" nodeType="tmRoot"/>
+      </p:par>
+    </p:tnLst>
+  </p:timing>
 </p:sld>
 </file>
 
@@ -6551,13 +6572,20 @@
     </p:spTree>
     <p:extLst>
       <p:ext uri="{BB962C8B-B14F-4D97-AF65-F5344CB8AC3E}">
-        <p14:creationId xmlns:p14="http://schemas.microsoft.com/office/powerpoint/2010/main" val="2717224989"/>
+        <p14:creationId xmlns:p14="http://schemas.microsoft.com/office/powerpoint/2010/main" xmlns="" val="2717224989"/>
       </p:ext>
     </p:extLst>
   </p:cSld>
   <p:clrMapOvr>
     <a:masterClrMapping/>
   </p:clrMapOvr>
+  <p:timing>
+    <p:tnLst>
+      <p:par>
+        <p:cTn id="1" dur="indefinite" restart="never" nodeType="tmRoot"/>
+      </p:par>
+    </p:tnLst>
+  </p:timing>
 </p:sld>
 </file>
 
@@ -6653,13 +6681,20 @@
     </p:spTree>
     <p:extLst>
       <p:ext uri="{BB962C8B-B14F-4D97-AF65-F5344CB8AC3E}">
-        <p14:creationId xmlns:p14="http://schemas.microsoft.com/office/powerpoint/2010/main" val="3517256987"/>
+        <p14:creationId xmlns:p14="http://schemas.microsoft.com/office/powerpoint/2010/main" xmlns="" val="3517256987"/>
       </p:ext>
     </p:extLst>
   </p:cSld>
   <p:clrMapOvr>
     <a:masterClrMapping/>
   </p:clrMapOvr>
+  <p:timing>
+    <p:tnLst>
+      <p:par>
+        <p:cTn id="1" dur="indefinite" restart="never" nodeType="tmRoot"/>
+      </p:par>
+    </p:tnLst>
+  </p:timing>
 </p:sld>
 </file>
 
@@ -6819,13 +6854,20 @@
     </p:spTree>
     <p:extLst>
       <p:ext uri="{BB962C8B-B14F-4D97-AF65-F5344CB8AC3E}">
-        <p14:creationId xmlns:p14="http://schemas.microsoft.com/office/powerpoint/2010/main" val="1896896580"/>
+        <p14:creationId xmlns:p14="http://schemas.microsoft.com/office/powerpoint/2010/main" xmlns="" val="1896896580"/>
       </p:ext>
     </p:extLst>
   </p:cSld>
   <p:clrMapOvr>
     <a:masterClrMapping/>
   </p:clrMapOvr>
+  <p:timing>
+    <p:tnLst>
+      <p:par>
+        <p:cTn id="1" dur="indefinite" restart="never" nodeType="tmRoot"/>
+      </p:par>
+    </p:tnLst>
+  </p:timing>
 </p:sld>
 </file>
 
@@ -6922,13 +6964,20 @@
     </p:spTree>
     <p:extLst>
       <p:ext uri="{BB962C8B-B14F-4D97-AF65-F5344CB8AC3E}">
-        <p14:creationId xmlns:p14="http://schemas.microsoft.com/office/powerpoint/2010/main" val="886914582"/>
+        <p14:creationId xmlns:p14="http://schemas.microsoft.com/office/powerpoint/2010/main" xmlns="" val="886914582"/>
       </p:ext>
     </p:extLst>
   </p:cSld>
   <p:clrMapOvr>
     <a:masterClrMapping/>
   </p:clrMapOvr>
+  <p:timing>
+    <p:tnLst>
+      <p:par>
+        <p:cTn id="1" dur="indefinite" restart="never" nodeType="tmRoot"/>
+      </p:par>
+    </p:tnLst>
+  </p:timing>
 </p:sld>
 </file>
 
@@ -6996,26 +7045,17 @@
             </a:r>
             <a:r>
               <a:rPr lang="en-US" sz="2800" dirty="0" smtClean="0"/>
-              <a:t>Select </a:t>
-            </a:r>
+              <a:t>Select R1.*,R2.*</a:t>
+            </a:r>
+          </a:p>
+          <a:p>
+            <a:pPr marL="0" indent="0">
+              <a:buNone/>
+            </a:pPr>
             <a:r>
               <a:rPr lang="en-US" sz="2800" dirty="0" smtClean="0"/>
-              <a:t>R1.*,R2.*</a:t>
-            </a:r>
-          </a:p>
-          <a:p>
-            <a:pPr marL="0" indent="0">
-              <a:buNone/>
-            </a:pPr>
-            <a:r>
-              <a:rPr lang="en-US" sz="2800" dirty="0" smtClean="0"/>
-              <a:t>		From </a:t>
-            </a:r>
-            <a:r>
-              <a:rPr lang="en-US" sz="2800" dirty="0" smtClean="0"/>
-              <a:t>R1 Join R2 On R1.x=R2.y</a:t>
-            </a:r>
-            <a:endParaRPr lang="en-US" sz="2800" dirty="0" smtClean="0"/>
+              <a:t>		From R1 Join R2 On R1.x=R2.y</a:t>
+            </a:r>
           </a:p>
           <a:p>
             <a:pPr marL="0" indent="0">
@@ -7048,7 +7088,7 @@
     </p:spTree>
     <p:extLst>
       <p:ext uri="{BB962C8B-B14F-4D97-AF65-F5344CB8AC3E}">
-        <p14:creationId xmlns:p14="http://schemas.microsoft.com/office/powerpoint/2010/main" val="2576379856"/>
+        <p14:creationId xmlns:p14="http://schemas.microsoft.com/office/powerpoint/2010/main" xmlns="" val="2576379856"/>
       </p:ext>
     </p:extLst>
   </p:cSld>
@@ -7129,7 +7169,7 @@
         </p:txBody>
       </p:sp>
       <mc:AlternateContent xmlns:mc="http://schemas.openxmlformats.org/markup-compatibility/2006">
-        <mc:Choice xmlns:a14="http://schemas.microsoft.com/office/drawing/2010/main" Requires="a14">
+        <mc:Choice xmlns:a14="http://schemas.microsoft.com/office/drawing/2010/main" xmlns="" Requires="a14">
           <p:sp>
             <p:nvSpPr>
               <p:cNvPr id="3" name="Content Placeholder 2"/>
@@ -7358,7 +7398,7 @@
     </p:spTree>
     <p:extLst>
       <p:ext uri="{BB962C8B-B14F-4D97-AF65-F5344CB8AC3E}">
-        <p14:creationId xmlns:p14="http://schemas.microsoft.com/office/powerpoint/2010/main" val="603857351"/>
+        <p14:creationId xmlns:p14="http://schemas.microsoft.com/office/powerpoint/2010/main" xmlns="" val="603857351"/>
       </p:ext>
     </p:extLst>
   </p:cSld>
@@ -7499,13 +7539,20 @@
     </p:spTree>
     <p:extLst>
       <p:ext uri="{BB962C8B-B14F-4D97-AF65-F5344CB8AC3E}">
-        <p14:creationId xmlns:p14="http://schemas.microsoft.com/office/powerpoint/2010/main" val="1695243182"/>
+        <p14:creationId xmlns:p14="http://schemas.microsoft.com/office/powerpoint/2010/main" xmlns="" val="1695243182"/>
       </p:ext>
     </p:extLst>
   </p:cSld>
   <p:clrMapOvr>
     <a:masterClrMapping/>
   </p:clrMapOvr>
+  <p:timing>
+    <p:tnLst>
+      <p:par>
+        <p:cTn id="1" dur="indefinite" restart="never" nodeType="tmRoot"/>
+      </p:par>
+    </p:tnLst>
+  </p:timing>
 </p:sld>
 </file>
 
@@ -7640,13 +7687,20 @@
     </p:spTree>
     <p:extLst>
       <p:ext uri="{BB962C8B-B14F-4D97-AF65-F5344CB8AC3E}">
-        <p14:creationId xmlns:p14="http://schemas.microsoft.com/office/powerpoint/2010/main" val="1224113157"/>
+        <p14:creationId xmlns:p14="http://schemas.microsoft.com/office/powerpoint/2010/main" xmlns="" val="1224113157"/>
       </p:ext>
     </p:extLst>
   </p:cSld>
   <p:clrMapOvr>
     <a:masterClrMapping/>
   </p:clrMapOvr>
+  <p:timing>
+    <p:tnLst>
+      <p:par>
+        <p:cTn id="1" dur="indefinite" restart="never" nodeType="tmRoot"/>
+      </p:par>
+    </p:tnLst>
+  </p:timing>
 </p:sld>
 </file>
 
@@ -7769,13 +7823,20 @@
     </p:spTree>
     <p:extLst>
       <p:ext uri="{BB962C8B-B14F-4D97-AF65-F5344CB8AC3E}">
-        <p14:creationId xmlns:p14="http://schemas.microsoft.com/office/powerpoint/2010/main" val="3432691969"/>
+        <p14:creationId xmlns:p14="http://schemas.microsoft.com/office/powerpoint/2010/main" xmlns="" val="3432691969"/>
       </p:ext>
     </p:extLst>
   </p:cSld>
   <p:clrMapOvr>
     <a:masterClrMapping/>
   </p:clrMapOvr>
+  <p:timing>
+    <p:tnLst>
+      <p:par>
+        <p:cTn id="1" dur="indefinite" restart="never" nodeType="tmRoot"/>
+      </p:par>
+    </p:tnLst>
+  </p:timing>
 </p:sld>
 </file>
 
@@ -7928,13 +7989,20 @@
     </p:spTree>
     <p:extLst>
       <p:ext uri="{BB962C8B-B14F-4D97-AF65-F5344CB8AC3E}">
-        <p14:creationId xmlns:p14="http://schemas.microsoft.com/office/powerpoint/2010/main" val="3934851494"/>
+        <p14:creationId xmlns:p14="http://schemas.microsoft.com/office/powerpoint/2010/main" xmlns="" val="3934851494"/>
       </p:ext>
     </p:extLst>
   </p:cSld>
   <p:clrMapOvr>
     <a:masterClrMapping/>
   </p:clrMapOvr>
+  <p:timing>
+    <p:tnLst>
+      <p:par>
+        <p:cTn id="1" dur="indefinite" restart="never" nodeType="tmRoot"/>
+      </p:par>
+    </p:tnLst>
+  </p:timing>
 </p:sld>
 </file>
 
@@ -8077,13 +8145,20 @@
     </p:spTree>
     <p:extLst>
       <p:ext uri="{BB962C8B-B14F-4D97-AF65-F5344CB8AC3E}">
-        <p14:creationId xmlns:p14="http://schemas.microsoft.com/office/powerpoint/2010/main" val="1164568638"/>
+        <p14:creationId xmlns:p14="http://schemas.microsoft.com/office/powerpoint/2010/main" xmlns="" val="1164568638"/>
       </p:ext>
     </p:extLst>
   </p:cSld>
   <p:clrMapOvr>
     <a:masterClrMapping/>
   </p:clrMapOvr>
+  <p:timing>
+    <p:tnLst>
+      <p:par>
+        <p:cTn id="1" dur="indefinite" restart="never" nodeType="tmRoot"/>
+      </p:par>
+    </p:tnLst>
+  </p:timing>
 </p:sld>
 </file>
 
@@ -8174,12 +8249,12 @@
               <a:t>Apply.uName</a:t>
             </a:r>
             <a:r>
-              <a:rPr lang="en-US" sz="2400" dirty="0" smtClean="0"/>
+              <a:rPr lang="en-US" sz="2400" smtClean="0"/>
               <a:t>, </a:t>
             </a:r>
             <a:r>
-              <a:rPr lang="en-US" sz="2400" dirty="0" err="1" smtClean="0"/>
-              <a:t>enrollemnt</a:t>
+              <a:rPr lang="en-US" sz="2400" smtClean="0"/>
+              <a:t>enrollment</a:t>
             </a:r>
             <a:endParaRPr lang="en-US" sz="2400" dirty="0" smtClean="0"/>
           </a:p>
@@ -8243,13 +8318,20 @@
     </p:spTree>
     <p:extLst>
       <p:ext uri="{BB962C8B-B14F-4D97-AF65-F5344CB8AC3E}">
-        <p14:creationId xmlns:p14="http://schemas.microsoft.com/office/powerpoint/2010/main" val="3353138328"/>
+        <p14:creationId xmlns:p14="http://schemas.microsoft.com/office/powerpoint/2010/main" xmlns="" val="3353138328"/>
       </p:ext>
     </p:extLst>
   </p:cSld>
   <p:clrMapOvr>
     <a:masterClrMapping/>
   </p:clrMapOvr>
+  <p:timing>
+    <p:tnLst>
+      <p:par>
+        <p:cTn id="1" dur="indefinite" restart="never" nodeType="tmRoot"/>
+      </p:par>
+    </p:tnLst>
+  </p:timing>
 </p:sld>
 </file>
 
@@ -8296,7 +8378,7 @@
     </a:clrScheme>
     <a:fontScheme name="Mesh">
       <a:majorFont>
-        <a:latin typeface="Century Gothic" panose="020B0502020202020204"/>
+        <a:latin typeface="Century Gothic"/>
         <a:ea typeface=""/>
         <a:cs typeface=""/>
         <a:font script="Jpan" typeface="ＭＳ ゴシック"/>
@@ -8331,7 +8413,7 @@
         <a:font script="Geor" typeface="Sylfaen"/>
       </a:majorFont>
       <a:minorFont>
-        <a:latin typeface="Century Gothic" panose="020B0502020202020204"/>
+        <a:latin typeface="Century Gothic"/>
         <a:ea typeface=""/>
         <a:cs typeface=""/>
         <a:font script="Jpan" typeface="ＭＳ ゴシック"/>
@@ -8503,7 +8585,7 @@
   <a:extraClrSchemeLst/>
   <a:extLst>
     <a:ext uri="{05A4C25C-085E-4340-85A3-A5531E510DB2}">
-      <thm15:themeFamily xmlns:thm15="http://schemas.microsoft.com/office/thememl/2012/main" name="Mesh" id="{789EC3FE-34FD-429C-9918-760025E6C145}" vid="{B8BE45C0-8141-4D58-8C71-A009BC26FBBB}"/>
+      <thm15:themeFamily xmlns:thm15="http://schemas.microsoft.com/office/thememl/2012/main" xmlns="" name="Mesh" id="{789EC3FE-34FD-429C-9918-760025E6C145}" vid="{B8BE45C0-8141-4D58-8C71-A009BC26FBBB}"/>
     </a:ext>
   </a:extLst>
 </a:theme>
